--- a/fig/overview.pptx
+++ b/fig/overview.pptx
@@ -197,7 +197,7 @@
           <a:p>
             <a:fld id="{9FF0E720-4310-3448-AE3C-8F85DDD85C15}" type="datetimeFigureOut">
               <a:rPr kumimoji="1" lang="zh-CN" altLang="en-US" smtClean="0"/>
-              <a:t>2025/10/15</a:t>
+              <a:t>2025/10/16</a:t>
             </a:fld>
             <a:endParaRPr kumimoji="1" lang="zh-CN" altLang="en-US"/>
           </a:p>
@@ -611,7 +611,7 @@
           <a:p>
             <a:fld id="{B805D02E-8AD2-3948-B8DA-3DE46FB98DB6}" type="datetimeFigureOut">
               <a:rPr kumimoji="1" lang="zh-CN" altLang="en-US" smtClean="0"/>
-              <a:t>2025/10/15</a:t>
+              <a:t>2025/10/16</a:t>
             </a:fld>
             <a:endParaRPr kumimoji="1" lang="zh-CN" altLang="en-US"/>
           </a:p>
@@ -809,7 +809,7 @@
           <a:p>
             <a:fld id="{B805D02E-8AD2-3948-B8DA-3DE46FB98DB6}" type="datetimeFigureOut">
               <a:rPr kumimoji="1" lang="zh-CN" altLang="en-US" smtClean="0"/>
-              <a:t>2025/10/15</a:t>
+              <a:t>2025/10/16</a:t>
             </a:fld>
             <a:endParaRPr kumimoji="1" lang="zh-CN" altLang="en-US"/>
           </a:p>
@@ -1017,7 +1017,7 @@
           <a:p>
             <a:fld id="{B805D02E-8AD2-3948-B8DA-3DE46FB98DB6}" type="datetimeFigureOut">
               <a:rPr kumimoji="1" lang="zh-CN" altLang="en-US" smtClean="0"/>
-              <a:t>2025/10/15</a:t>
+              <a:t>2025/10/16</a:t>
             </a:fld>
             <a:endParaRPr kumimoji="1" lang="zh-CN" altLang="en-US"/>
           </a:p>
@@ -1215,7 +1215,7 @@
           <a:p>
             <a:fld id="{B805D02E-8AD2-3948-B8DA-3DE46FB98DB6}" type="datetimeFigureOut">
               <a:rPr kumimoji="1" lang="zh-CN" altLang="en-US" smtClean="0"/>
-              <a:t>2025/10/15</a:t>
+              <a:t>2025/10/16</a:t>
             </a:fld>
             <a:endParaRPr kumimoji="1" lang="zh-CN" altLang="en-US"/>
           </a:p>
@@ -1490,7 +1490,7 @@
           <a:p>
             <a:fld id="{B805D02E-8AD2-3948-B8DA-3DE46FB98DB6}" type="datetimeFigureOut">
               <a:rPr kumimoji="1" lang="zh-CN" altLang="en-US" smtClean="0"/>
-              <a:t>2025/10/15</a:t>
+              <a:t>2025/10/16</a:t>
             </a:fld>
             <a:endParaRPr kumimoji="1" lang="zh-CN" altLang="en-US"/>
           </a:p>
@@ -1755,7 +1755,7 @@
           <a:p>
             <a:fld id="{B805D02E-8AD2-3948-B8DA-3DE46FB98DB6}" type="datetimeFigureOut">
               <a:rPr kumimoji="1" lang="zh-CN" altLang="en-US" smtClean="0"/>
-              <a:t>2025/10/15</a:t>
+              <a:t>2025/10/16</a:t>
             </a:fld>
             <a:endParaRPr kumimoji="1" lang="zh-CN" altLang="en-US"/>
           </a:p>
@@ -2167,7 +2167,7 @@
           <a:p>
             <a:fld id="{B805D02E-8AD2-3948-B8DA-3DE46FB98DB6}" type="datetimeFigureOut">
               <a:rPr kumimoji="1" lang="zh-CN" altLang="en-US" smtClean="0"/>
-              <a:t>2025/10/15</a:t>
+              <a:t>2025/10/16</a:t>
             </a:fld>
             <a:endParaRPr kumimoji="1" lang="zh-CN" altLang="en-US"/>
           </a:p>
@@ -2308,7 +2308,7 @@
           <a:p>
             <a:fld id="{B805D02E-8AD2-3948-B8DA-3DE46FB98DB6}" type="datetimeFigureOut">
               <a:rPr kumimoji="1" lang="zh-CN" altLang="en-US" smtClean="0"/>
-              <a:t>2025/10/15</a:t>
+              <a:t>2025/10/16</a:t>
             </a:fld>
             <a:endParaRPr kumimoji="1" lang="zh-CN" altLang="en-US"/>
           </a:p>
@@ -2421,7 +2421,7 @@
           <a:p>
             <a:fld id="{B805D02E-8AD2-3948-B8DA-3DE46FB98DB6}" type="datetimeFigureOut">
               <a:rPr kumimoji="1" lang="zh-CN" altLang="en-US" smtClean="0"/>
-              <a:t>2025/10/15</a:t>
+              <a:t>2025/10/16</a:t>
             </a:fld>
             <a:endParaRPr kumimoji="1" lang="zh-CN" altLang="en-US"/>
           </a:p>
@@ -2732,7 +2732,7 @@
           <a:p>
             <a:fld id="{B805D02E-8AD2-3948-B8DA-3DE46FB98DB6}" type="datetimeFigureOut">
               <a:rPr kumimoji="1" lang="zh-CN" altLang="en-US" smtClean="0"/>
-              <a:t>2025/10/15</a:t>
+              <a:t>2025/10/16</a:t>
             </a:fld>
             <a:endParaRPr kumimoji="1" lang="zh-CN" altLang="en-US"/>
           </a:p>
@@ -3020,7 +3020,7 @@
           <a:p>
             <a:fld id="{B805D02E-8AD2-3948-B8DA-3DE46FB98DB6}" type="datetimeFigureOut">
               <a:rPr kumimoji="1" lang="zh-CN" altLang="en-US" smtClean="0"/>
-              <a:t>2025/10/15</a:t>
+              <a:t>2025/10/16</a:t>
             </a:fld>
             <a:endParaRPr kumimoji="1" lang="zh-CN" altLang="en-US"/>
           </a:p>
@@ -3261,7 +3261,7 @@
           <a:p>
             <a:fld id="{B805D02E-8AD2-3948-B8DA-3DE46FB98DB6}" type="datetimeFigureOut">
               <a:rPr kumimoji="1" lang="zh-CN" altLang="en-US" smtClean="0"/>
-              <a:t>2025/10/15</a:t>
+              <a:t>2025/10/16</a:t>
             </a:fld>
             <a:endParaRPr kumimoji="1" lang="zh-CN" altLang="en-US"/>
           </a:p>
@@ -3692,8 +3692,8 @@
         </p:nvSpPr>
         <p:spPr>
           <a:xfrm rot="16200000">
-            <a:off x="4877492" y="2973882"/>
-            <a:ext cx="1051003" cy="361405"/>
+            <a:off x="5245937" y="2872785"/>
+            <a:ext cx="1135886" cy="400807"/>
           </a:xfrm>
           <a:prstGeom prst="rect">
             <a:avLst/>
@@ -3749,14 +3749,14 @@
         </p:nvSpPr>
         <p:spPr>
           <a:xfrm>
-            <a:off x="3590387" y="2656336"/>
-            <a:ext cx="848980" cy="361405"/>
+            <a:off x="3803657" y="2534700"/>
+            <a:ext cx="941539" cy="506524"/>
           </a:xfrm>
           <a:prstGeom prst="rect">
             <a:avLst/>
           </a:prstGeom>
           <a:solidFill>
-            <a:schemeClr val="accent5">
+            <a:schemeClr val="accent6">
               <a:lumMod val="40000"/>
               <a:lumOff val="60000"/>
             </a:schemeClr>
@@ -3788,7 +3788,36 @@
           <a:lstStyle/>
           <a:p>
             <a:pPr algn="ctr"/>
-            <a:endParaRPr kumimoji="1" lang="zh-CN" altLang="en-US" sz="1400"/>
+            <a:r>
+              <a:rPr kumimoji="1" lang="en-US" altLang="zh-CN" sz="1600" dirty="0">
+                <a:solidFill>
+                  <a:schemeClr val="tx1"/>
+                </a:solidFill>
+                <a:latin typeface="Arial" panose="020B0604020202020204" pitchFamily="34" charset="0"/>
+                <a:cs typeface="Arial" panose="020B0604020202020204" pitchFamily="34" charset="0"/>
+              </a:rPr>
+              <a:t>Prefetch</a:t>
+            </a:r>
+            <a:r>
+              <a:rPr kumimoji="1" lang="zh-CN" altLang="en-US" sz="1600" dirty="0">
+                <a:solidFill>
+                  <a:schemeClr val="tx1"/>
+                </a:solidFill>
+                <a:latin typeface="Arial" panose="020B0604020202020204" pitchFamily="34" charset="0"/>
+                <a:cs typeface="Arial" panose="020B0604020202020204" pitchFamily="34" charset="0"/>
+              </a:rPr>
+              <a:t> </a:t>
+            </a:r>
+            <a:r>
+              <a:rPr kumimoji="1" lang="en-US" altLang="zh-CN" sz="1600" dirty="0">
+                <a:solidFill>
+                  <a:schemeClr val="tx1"/>
+                </a:solidFill>
+                <a:latin typeface="Arial" panose="020B0604020202020204" pitchFamily="34" charset="0"/>
+                <a:cs typeface="Arial" panose="020B0604020202020204" pitchFamily="34" charset="0"/>
+              </a:rPr>
+              <a:t>KVs</a:t>
+            </a:r>
           </a:p>
         </p:txBody>
       </p:sp>
@@ -3806,8 +3835,8 @@
         </p:nvSpPr>
         <p:spPr>
           <a:xfrm>
-            <a:off x="1538914" y="2342725"/>
-            <a:ext cx="1341931" cy="1453499"/>
+            <a:off x="1528524" y="2195759"/>
+            <a:ext cx="1488234" cy="1727765"/>
           </a:xfrm>
           <a:prstGeom prst="rect">
             <a:avLst/>
@@ -3858,8 +3887,8 @@
         </p:nvSpPr>
         <p:spPr>
           <a:xfrm>
-            <a:off x="3462224" y="2342725"/>
-            <a:ext cx="1105340" cy="1453499"/>
+            <a:off x="3661521" y="2195759"/>
+            <a:ext cx="1271953" cy="1727765"/>
           </a:xfrm>
           <a:prstGeom prst="rect">
             <a:avLst/>
@@ -3910,8 +3939,8 @@
         </p:nvSpPr>
         <p:spPr>
           <a:xfrm>
-            <a:off x="1775672" y="2537124"/>
-            <a:ext cx="180000" cy="432000"/>
+            <a:off x="1624838" y="2355415"/>
+            <a:ext cx="191105" cy="569290"/>
           </a:xfrm>
           <a:prstGeom prst="rect">
             <a:avLst/>
@@ -3967,8 +3996,8 @@
         </p:nvSpPr>
         <p:spPr>
           <a:xfrm>
-            <a:off x="1538914" y="4149732"/>
-            <a:ext cx="5300100" cy="1037601"/>
+            <a:off x="1528524" y="4148709"/>
+            <a:ext cx="5877937" cy="1121402"/>
           </a:xfrm>
           <a:prstGeom prst="roundRect">
             <a:avLst/>
@@ -4022,8 +4051,8 @@
         </p:nvSpPr>
         <p:spPr>
           <a:xfrm>
-            <a:off x="1736228" y="4837743"/>
-            <a:ext cx="4947767" cy="353943"/>
+            <a:off x="1747350" y="4892286"/>
+            <a:ext cx="5487192" cy="382529"/>
           </a:xfrm>
           <a:prstGeom prst="rect">
             <a:avLst/>
@@ -4121,8 +4150,8 @@
         </p:nvSpPr>
         <p:spPr>
           <a:xfrm>
-            <a:off x="1850761" y="4241911"/>
-            <a:ext cx="2126493" cy="540000"/>
+            <a:off x="1874370" y="4248332"/>
+            <a:ext cx="2358332" cy="583613"/>
           </a:xfrm>
           <a:prstGeom prst="roundRect">
             <a:avLst/>
@@ -4178,8 +4207,8 @@
         </p:nvSpPr>
         <p:spPr>
           <a:xfrm>
-            <a:off x="1795511" y="4228037"/>
-            <a:ext cx="2260554" cy="584775"/>
+            <a:off x="1813096" y="4233338"/>
+            <a:ext cx="2507008" cy="632004"/>
           </a:xfrm>
           <a:prstGeom prst="rect">
             <a:avLst/>
@@ -4266,8 +4295,8 @@
         </p:nvSpPr>
         <p:spPr>
           <a:xfrm>
-            <a:off x="4300437" y="4241911"/>
-            <a:ext cx="2260554" cy="540000"/>
+            <a:off x="4591119" y="4248332"/>
+            <a:ext cx="2507008" cy="583613"/>
           </a:xfrm>
           <a:prstGeom prst="roundRect">
             <a:avLst/>
@@ -4323,8 +4352,8 @@
         </p:nvSpPr>
         <p:spPr>
           <a:xfrm>
-            <a:off x="4410247" y="4228037"/>
-            <a:ext cx="2040943" cy="584775"/>
+            <a:off x="4712901" y="4233338"/>
+            <a:ext cx="2263455" cy="632004"/>
           </a:xfrm>
           <a:prstGeom prst="rect">
             <a:avLst/>
@@ -4404,8 +4433,8 @@
         </p:nvSpPr>
         <p:spPr>
           <a:xfrm>
-            <a:off x="3579284" y="3092625"/>
-            <a:ext cx="862456" cy="584605"/>
+            <a:off x="3791343" y="3130967"/>
+            <a:ext cx="956484" cy="507077"/>
           </a:xfrm>
           <a:prstGeom prst="rect">
             <a:avLst/>
@@ -4443,7 +4472,53 @@
           <a:lstStyle/>
           <a:p>
             <a:pPr algn="ctr"/>
-            <a:endParaRPr kumimoji="1" lang="zh-CN" altLang="en-US"/>
+            <a:r>
+              <a:rPr kumimoji="1" lang="en-US" altLang="zh-CN" sz="1600" dirty="0">
+                <a:solidFill>
+                  <a:schemeClr val="tx1"/>
+                </a:solidFill>
+                <a:latin typeface="Arial" panose="020B0604020202020204" pitchFamily="34" charset="0"/>
+                <a:cs typeface="Arial" panose="020B0604020202020204" pitchFamily="34" charset="0"/>
+              </a:rPr>
+              <a:t>CPU</a:t>
+            </a:r>
+            <a:r>
+              <a:rPr kumimoji="1" lang="zh-CN" altLang="en-US" sz="1600" dirty="0">
+                <a:solidFill>
+                  <a:schemeClr val="tx1"/>
+                </a:solidFill>
+                <a:latin typeface="Arial" panose="020B0604020202020204" pitchFamily="34" charset="0"/>
+                <a:cs typeface="Arial" panose="020B0604020202020204" pitchFamily="34" charset="0"/>
+              </a:rPr>
+              <a:t> </a:t>
+            </a:r>
+            <a:endParaRPr kumimoji="1" lang="en-US" altLang="zh-CN" sz="1600" dirty="0">
+              <a:solidFill>
+                <a:schemeClr val="tx1"/>
+              </a:solidFill>
+              <a:latin typeface="Arial" panose="020B0604020202020204" pitchFamily="34" charset="0"/>
+              <a:cs typeface="Arial" panose="020B0604020202020204" pitchFamily="34" charset="0"/>
+            </a:endParaRPr>
+          </a:p>
+          <a:p>
+            <a:pPr algn="ctr"/>
+            <a:r>
+              <a:rPr kumimoji="1" lang="en-US" altLang="zh-CN" sz="1600" dirty="0">
+                <a:solidFill>
+                  <a:schemeClr val="tx1"/>
+                </a:solidFill>
+                <a:latin typeface="Arial" panose="020B0604020202020204" pitchFamily="34" charset="0"/>
+                <a:cs typeface="Arial" panose="020B0604020202020204" pitchFamily="34" charset="0"/>
+              </a:rPr>
+              <a:t>Cache</a:t>
+            </a:r>
+            <a:endParaRPr kumimoji="1" lang="zh-CN" altLang="en-US" sz="1600" dirty="0">
+              <a:solidFill>
+                <a:schemeClr val="tx1"/>
+              </a:solidFill>
+              <a:latin typeface="Arial" panose="020B0604020202020204" pitchFamily="34" charset="0"/>
+              <a:cs typeface="Arial" panose="020B0604020202020204" pitchFamily="34" charset="0"/>
+            </a:endParaRPr>
           </a:p>
         </p:txBody>
       </p:sp>
@@ -4461,8 +4536,8 @@
         </p:nvSpPr>
         <p:spPr>
           <a:xfrm>
-            <a:off x="3644868" y="3125009"/>
-            <a:ext cx="731289" cy="528350"/>
+            <a:off x="4177220" y="3041225"/>
+            <a:ext cx="184730" cy="310341"/>
           </a:xfrm>
           <a:prstGeom prst="rect">
             <a:avLst/>
@@ -4488,21 +4563,6 @@
             </a:lvl1pPr>
           </a:lstStyle>
           <a:p>
-            <a:r>
-              <a:rPr lang="en-US" altLang="zh-CN" sz="1600" dirty="0"/>
-              <a:t>CPU</a:t>
-            </a:r>
-            <a:r>
-              <a:rPr lang="zh-CN" altLang="en-US" sz="1600" dirty="0"/>
-              <a:t> </a:t>
-            </a:r>
-            <a:endParaRPr lang="en-US" altLang="zh-CN" sz="1600" dirty="0"/>
-          </a:p>
-          <a:p>
-            <a:r>
-              <a:rPr lang="en-US" altLang="zh-CN" sz="1600" dirty="0"/>
-              <a:t>cache</a:t>
-            </a:r>
             <a:endParaRPr lang="zh-CN" altLang="en-US" sz="1600" dirty="0"/>
           </a:p>
         </p:txBody>
@@ -4521,8 +4581,8 @@
         </p:nvSpPr>
         <p:spPr>
           <a:xfrm>
-            <a:off x="5641893" y="3208046"/>
-            <a:ext cx="969046" cy="463412"/>
+            <a:off x="6078826" y="3130968"/>
+            <a:ext cx="1074695" cy="500839"/>
           </a:xfrm>
           <a:prstGeom prst="rect">
             <a:avLst/>
@@ -4559,63 +4619,38 @@
           <a:bodyPr rtlCol="0" anchor="ctr"/>
           <a:lstStyle/>
           <a:p>
-            <a:pPr algn="ctr"/>
-            <a:endParaRPr kumimoji="1" lang="zh-CN" altLang="en-US"/>
-          </a:p>
-        </p:txBody>
-      </p:sp>
-      <p:sp>
-        <p:nvSpPr>
-          <p:cNvPr id="49" name="文本框 48">
-            <a:extLst>
-              <a:ext uri="{FF2B5EF4-FFF2-40B4-BE49-F238E27FC236}">
-                <a16:creationId xmlns:a16="http://schemas.microsoft.com/office/drawing/2014/main" id="{EB54E915-FA78-CF61-4723-241DA3E798AB}"/>
-              </a:ext>
-            </a:extLst>
-          </p:cNvPr>
-          <p:cNvSpPr txBox="1"/>
-          <p:nvPr/>
-        </p:nvSpPr>
-        <p:spPr>
-          <a:xfrm>
-            <a:off x="5749228" y="3182578"/>
-            <a:ext cx="731289" cy="528350"/>
-          </a:xfrm>
-          <a:prstGeom prst="rect">
-            <a:avLst/>
-          </a:prstGeom>
-          <a:noFill/>
-        </p:spPr>
-        <p:txBody>
-          <a:bodyPr wrap="none" rtlCol="0">
-            <a:spAutoFit/>
-          </a:bodyPr>
-          <a:lstStyle>
-            <a:defPPr>
-              <a:defRPr lang="zh-CN"/>
-            </a:defPPr>
-            <a:lvl1pPr>
-              <a:defRPr kumimoji="1">
-                <a:latin typeface="Arial" panose="020B0604020202020204" pitchFamily="34" charset="0"/>
-                <a:cs typeface="Arial" panose="020B0604020202020204" pitchFamily="34" charset="0"/>
-              </a:defRPr>
-            </a:lvl1pPr>
-          </a:lstStyle>
-          <a:p>
             <a:pPr algn="ctr">
               <a:lnSpc>
                 <a:spcPts val="1660"/>
               </a:lnSpc>
             </a:pPr>
             <a:r>
-              <a:rPr lang="en-US" altLang="zh-CN" sz="1600" dirty="0"/>
+              <a:rPr kumimoji="1" lang="en-US" altLang="zh-CN" sz="1600" dirty="0">
+                <a:solidFill>
+                  <a:schemeClr val="tx1"/>
+                </a:solidFill>
+                <a:latin typeface="Arial" panose="020B0604020202020204" pitchFamily="34" charset="0"/>
+                <a:cs typeface="Arial" panose="020B0604020202020204" pitchFamily="34" charset="0"/>
+              </a:rPr>
               <a:t>GPU</a:t>
             </a:r>
             <a:r>
-              <a:rPr lang="zh-CN" altLang="en-US" sz="1600" dirty="0"/>
+              <a:rPr kumimoji="1" lang="zh-CN" altLang="en-US" sz="1600" dirty="0">
+                <a:solidFill>
+                  <a:schemeClr val="tx1"/>
+                </a:solidFill>
+                <a:latin typeface="Arial" panose="020B0604020202020204" pitchFamily="34" charset="0"/>
+                <a:cs typeface="Arial" panose="020B0604020202020204" pitchFamily="34" charset="0"/>
+              </a:rPr>
               <a:t> </a:t>
             </a:r>
-            <a:endParaRPr lang="en-US" altLang="zh-CN" sz="1600" dirty="0"/>
+            <a:endParaRPr kumimoji="1" lang="en-US" altLang="zh-CN" sz="1600" dirty="0">
+              <a:solidFill>
+                <a:schemeClr val="tx1"/>
+              </a:solidFill>
+              <a:latin typeface="Arial" panose="020B0604020202020204" pitchFamily="34" charset="0"/>
+              <a:cs typeface="Arial" panose="020B0604020202020204" pitchFamily="34" charset="0"/>
+            </a:endParaRPr>
           </a:p>
           <a:p>
             <a:pPr algn="ctr">
@@ -4624,59 +4659,22 @@
               </a:lnSpc>
             </a:pPr>
             <a:r>
-              <a:rPr lang="en-US" altLang="zh-CN" sz="1600" dirty="0"/>
-              <a:t>cache</a:t>
-            </a:r>
-            <a:endParaRPr lang="zh-CN" altLang="en-US" sz="1600" dirty="0"/>
-          </a:p>
-        </p:txBody>
-      </p:sp>
-      <p:sp>
-        <p:nvSpPr>
-          <p:cNvPr id="50" name="文本框 49">
-            <a:extLst>
-              <a:ext uri="{FF2B5EF4-FFF2-40B4-BE49-F238E27FC236}">
-                <a16:creationId xmlns:a16="http://schemas.microsoft.com/office/drawing/2014/main" id="{BE4D42C8-FBD7-DB36-B5EB-A7666CA71867}"/>
-              </a:ext>
-            </a:extLst>
-          </p:cNvPr>
-          <p:cNvSpPr txBox="1"/>
-          <p:nvPr/>
-        </p:nvSpPr>
-        <p:spPr>
-          <a:xfrm>
-            <a:off x="3557225" y="2687292"/>
-            <a:ext cx="930062" cy="296684"/>
-          </a:xfrm>
-          <a:prstGeom prst="rect">
-            <a:avLst/>
-          </a:prstGeom>
-          <a:noFill/>
-        </p:spPr>
-        <p:txBody>
-          <a:bodyPr wrap="none" rtlCol="0">
-            <a:spAutoFit/>
-          </a:bodyPr>
-          <a:lstStyle>
-            <a:defPPr>
-              <a:defRPr lang="zh-CN"/>
-            </a:defPPr>
-            <a:lvl1pPr algn="ctr">
-              <a:lnSpc>
-                <a:spcPts val="1660"/>
-              </a:lnSpc>
-              <a:defRPr kumimoji="1">
+              <a:rPr kumimoji="1" lang="en-US" altLang="zh-CN" sz="1600" dirty="0">
+                <a:solidFill>
+                  <a:schemeClr val="tx1"/>
+                </a:solidFill>
                 <a:latin typeface="Arial" panose="020B0604020202020204" pitchFamily="34" charset="0"/>
                 <a:cs typeface="Arial" panose="020B0604020202020204" pitchFamily="34" charset="0"/>
-              </a:defRPr>
-            </a:lvl1pPr>
-          </a:lstStyle>
-          <a:p>
-            <a:r>
-              <a:rPr lang="en-US" altLang="zh-CN" sz="1400" dirty="0"/>
-              <a:t>metadata</a:t>
-            </a:r>
-            <a:endParaRPr lang="zh-CN" altLang="en-US" sz="1400" dirty="0"/>
+              </a:rPr>
+              <a:t>Cache</a:t>
+            </a:r>
+            <a:endParaRPr kumimoji="1" lang="zh-CN" altLang="en-US" sz="1600" dirty="0">
+              <a:solidFill>
+                <a:schemeClr val="tx1"/>
+              </a:solidFill>
+              <a:latin typeface="Arial" panose="020B0604020202020204" pitchFamily="34" charset="0"/>
+              <a:cs typeface="Arial" panose="020B0604020202020204" pitchFamily="34" charset="0"/>
+            </a:endParaRPr>
           </a:p>
         </p:txBody>
       </p:sp>
@@ -4694,8 +4692,8 @@
         </p:nvSpPr>
         <p:spPr>
           <a:xfrm>
-            <a:off x="5641894" y="2633629"/>
-            <a:ext cx="969045" cy="477132"/>
+            <a:off x="6078827" y="2510159"/>
+            <a:ext cx="1074694" cy="515667"/>
           </a:xfrm>
           <a:prstGeom prst="rect">
             <a:avLst/>
@@ -4746,8 +4744,8 @@
         </p:nvSpPr>
         <p:spPr>
           <a:xfrm>
-            <a:off x="5691842" y="2619210"/>
-            <a:ext cx="869149" cy="528350"/>
+            <a:off x="6142327" y="2494575"/>
+            <a:ext cx="947695" cy="528350"/>
           </a:xfrm>
           <a:prstGeom prst="rect">
             <a:avLst/>
@@ -4775,13 +4773,13 @@
           <a:p>
             <a:r>
               <a:rPr lang="en-US" altLang="zh-CN" dirty="0"/>
-              <a:t>runtime</a:t>
+              <a:t>Runtime</a:t>
             </a:r>
           </a:p>
           <a:p>
             <a:r>
               <a:rPr lang="en-US" altLang="zh-CN" dirty="0"/>
-              <a:t>space</a:t>
+              <a:t>Space</a:t>
             </a:r>
             <a:endParaRPr lang="zh-CN" altLang="en-US" dirty="0"/>
           </a:p>
@@ -4801,8 +4799,8 @@
         </p:nvSpPr>
         <p:spPr>
           <a:xfrm>
-            <a:off x="5135519" y="2350797"/>
-            <a:ext cx="1548476" cy="1453499"/>
+            <a:off x="5517245" y="2204483"/>
+            <a:ext cx="1717297" cy="1719041"/>
           </a:xfrm>
           <a:prstGeom prst="rect">
             <a:avLst/>
@@ -4853,8 +4851,8 @@
         </p:nvSpPr>
         <p:spPr>
           <a:xfrm>
-            <a:off x="2051150" y="2537124"/>
-            <a:ext cx="180000" cy="432000"/>
+            <a:off x="1930350" y="2355415"/>
+            <a:ext cx="191105" cy="569290"/>
           </a:xfrm>
           <a:prstGeom prst="rect">
             <a:avLst/>
@@ -4910,8 +4908,8 @@
         </p:nvSpPr>
         <p:spPr>
           <a:xfrm>
-            <a:off x="2971103" y="2849616"/>
-            <a:ext cx="395416" cy="189450"/>
+            <a:off x="3116856" y="2743590"/>
+            <a:ext cx="438526" cy="204751"/>
           </a:xfrm>
           <a:prstGeom prst="rightArrow">
             <a:avLst/>
@@ -4962,8 +4960,8 @@
         </p:nvSpPr>
         <p:spPr>
           <a:xfrm>
-            <a:off x="4659084" y="2849616"/>
-            <a:ext cx="395416" cy="189450"/>
+            <a:off x="4988867" y="2743590"/>
+            <a:ext cx="438526" cy="204751"/>
           </a:xfrm>
           <a:prstGeom prst="rightArrow">
             <a:avLst/>
@@ -5014,8 +5012,8 @@
         </p:nvSpPr>
         <p:spPr>
           <a:xfrm flipH="1">
-            <a:off x="2971103" y="3198323"/>
-            <a:ext cx="395416" cy="189450"/>
+            <a:off x="3116856" y="3120460"/>
+            <a:ext cx="438526" cy="204751"/>
           </a:xfrm>
           <a:prstGeom prst="rightArrow">
             <a:avLst/>
@@ -5066,8 +5064,8 @@
         </p:nvSpPr>
         <p:spPr>
           <a:xfrm flipH="1">
-            <a:off x="4659642" y="3198323"/>
-            <a:ext cx="395416" cy="189450"/>
+            <a:off x="4989486" y="3120460"/>
+            <a:ext cx="438526" cy="204751"/>
           </a:xfrm>
           <a:prstGeom prst="rightArrow">
             <a:avLst/>
@@ -5118,8 +5116,8 @@
         </p:nvSpPr>
         <p:spPr>
           <a:xfrm>
-            <a:off x="1928391" y="2193765"/>
-            <a:ext cx="562976" cy="296684"/>
+            <a:off x="1960463" y="2034770"/>
+            <a:ext cx="624354" cy="320645"/>
           </a:xfrm>
           <a:prstGeom prst="rect">
             <a:avLst/>
@@ -5169,8 +5167,8 @@
         </p:nvSpPr>
         <p:spPr>
           <a:xfrm>
-            <a:off x="3577067" y="2186781"/>
-            <a:ext cx="872355" cy="425758"/>
+            <a:off x="3788884" y="2027222"/>
+            <a:ext cx="967463" cy="460144"/>
           </a:xfrm>
           <a:prstGeom prst="rect">
             <a:avLst/>
@@ -5241,8 +5239,8 @@
         </p:nvSpPr>
         <p:spPr>
           <a:xfrm>
-            <a:off x="5484483" y="2186781"/>
-            <a:ext cx="872355" cy="425758"/>
+            <a:off x="5904254" y="2027222"/>
+            <a:ext cx="967463" cy="460144"/>
           </a:xfrm>
           <a:prstGeom prst="rect">
             <a:avLst/>
@@ -5313,8 +5311,8 @@
         </p:nvSpPr>
         <p:spPr>
           <a:xfrm>
-            <a:off x="2486057" y="2537124"/>
-            <a:ext cx="180000" cy="432000"/>
+            <a:off x="2412672" y="2355415"/>
+            <a:ext cx="191105" cy="569290"/>
           </a:xfrm>
           <a:prstGeom prst="rect">
             <a:avLst/>
@@ -5370,8 +5368,8 @@
         </p:nvSpPr>
         <p:spPr>
           <a:xfrm>
-            <a:off x="2180190" y="2604458"/>
-            <a:ext cx="372218" cy="369332"/>
+            <a:off x="2073458" y="2443043"/>
+            <a:ext cx="395183" cy="369332"/>
           </a:xfrm>
           <a:prstGeom prst="rect">
             <a:avLst/>
@@ -5379,7 +5377,7 @@
           <a:noFill/>
         </p:spPr>
         <p:txBody>
-          <a:bodyPr wrap="none" rtlCol="0">
+          <a:bodyPr wrap="square" rtlCol="0">
             <a:spAutoFit/>
           </a:bodyPr>
           <a:lstStyle/>
@@ -5406,8 +5404,8 @@
         </p:nvSpPr>
         <p:spPr>
           <a:xfrm>
-            <a:off x="1775672" y="3049474"/>
-            <a:ext cx="180000" cy="432000"/>
+            <a:off x="1624838" y="3073889"/>
+            <a:ext cx="188258" cy="557917"/>
           </a:xfrm>
           <a:prstGeom prst="rect">
             <a:avLst/>
@@ -5463,8 +5461,8 @@
         </p:nvSpPr>
         <p:spPr>
           <a:xfrm>
-            <a:off x="2051150" y="3049474"/>
-            <a:ext cx="180000" cy="432000"/>
+            <a:off x="1930350" y="3073889"/>
+            <a:ext cx="188258" cy="557917"/>
           </a:xfrm>
           <a:prstGeom prst="rect">
             <a:avLst/>
@@ -5520,8 +5518,8 @@
         </p:nvSpPr>
         <p:spPr>
           <a:xfrm>
-            <a:off x="2486057" y="3049474"/>
-            <a:ext cx="180000" cy="432000"/>
+            <a:off x="2412672" y="3073889"/>
+            <a:ext cx="188258" cy="557917"/>
           </a:xfrm>
           <a:prstGeom prst="rect">
             <a:avLst/>
@@ -5577,8 +5575,8 @@
         </p:nvSpPr>
         <p:spPr>
           <a:xfrm>
-            <a:off x="2180190" y="3116808"/>
-            <a:ext cx="372218" cy="369332"/>
+            <a:off x="2073458" y="3146662"/>
+            <a:ext cx="389295" cy="369332"/>
           </a:xfrm>
           <a:prstGeom prst="rect">
             <a:avLst/>
@@ -5586,7 +5584,7 @@
           <a:noFill/>
         </p:spPr>
         <p:txBody>
-          <a:bodyPr wrap="none" rtlCol="0">
+          <a:bodyPr wrap="square" rtlCol="0">
             <a:spAutoFit/>
           </a:bodyPr>
           <a:lstStyle/>
@@ -5617,8 +5615,8 @@
         </p:nvCxnSpPr>
         <p:spPr>
           <a:xfrm rot="16200000" flipV="1">
-            <a:off x="2339101" y="3667004"/>
-            <a:ext cx="445687" cy="704128"/>
+            <a:off x="2500685" y="3695480"/>
+            <a:ext cx="324808" cy="780895"/>
           </a:xfrm>
           <a:prstGeom prst="bentConnector3">
             <a:avLst>
@@ -5660,18 +5658,18 @@
           <p:cNvCxnSpPr>
             <a:cxnSpLocks/>
             <a:stCxn id="27" idx="0"/>
-            <a:endCxn id="47" idx="2"/>
+            <a:endCxn id="46" idx="2"/>
           </p:cNvCxnSpPr>
           <p:nvPr/>
         </p:nvCxnSpPr>
         <p:spPr>
           <a:xfrm rot="16200000" flipV="1">
-            <a:off x="4433277" y="3230595"/>
-            <a:ext cx="574678" cy="1420206"/>
+            <a:off x="4759460" y="3148169"/>
+            <a:ext cx="595294" cy="1575044"/>
           </a:xfrm>
           <a:prstGeom prst="bentConnector3">
             <a:avLst>
-              <a:gd name="adj1" fmla="val 37271"/>
+              <a:gd name="adj1" fmla="val 25563"/>
             </a:avLst>
           </a:prstGeom>
           <a:ln w="19050">
@@ -5715,12 +5713,12 @@
         </p:nvCxnSpPr>
         <p:spPr>
           <a:xfrm rot="5400000" flipH="1" flipV="1">
-            <a:off x="5500278" y="3601900"/>
-            <a:ext cx="556579" cy="695697"/>
+            <a:off x="5929636" y="3546801"/>
+            <a:ext cx="601531" cy="771545"/>
           </a:xfrm>
           <a:prstGeom prst="bentConnector3">
             <a:avLst>
-              <a:gd name="adj1" fmla="val 39047"/>
+              <a:gd name="adj1" fmla="val 25816"/>
             </a:avLst>
           </a:prstGeom>
           <a:ln w="19050">
@@ -5760,8 +5758,8 @@
         </p:nvSpPr>
         <p:spPr>
           <a:xfrm>
-            <a:off x="1729676" y="874019"/>
-            <a:ext cx="395416" cy="189450"/>
+            <a:off x="1740084" y="753910"/>
+            <a:ext cx="438526" cy="204751"/>
           </a:xfrm>
           <a:prstGeom prst="rightArrow">
             <a:avLst/>
@@ -5812,8 +5810,8 @@
         </p:nvSpPr>
         <p:spPr>
           <a:xfrm>
-            <a:off x="1707699" y="791773"/>
-            <a:ext cx="2779588" cy="353943"/>
+            <a:off x="1715711" y="665021"/>
+            <a:ext cx="3082629" cy="382529"/>
           </a:xfrm>
           <a:prstGeom prst="rect">
             <a:avLst/>
@@ -5885,8 +5883,8 @@
         </p:nvCxnSpPr>
         <p:spPr>
           <a:xfrm>
-            <a:off x="4786989" y="968744"/>
-            <a:ext cx="396000" cy="0"/>
+            <a:off x="5130717" y="856285"/>
+            <a:ext cx="439173" cy="0"/>
           </a:xfrm>
           <a:prstGeom prst="straightConnector1">
             <a:avLst/>
@@ -5928,8 +5926,8 @@
         </p:nvSpPr>
         <p:spPr>
           <a:xfrm>
-            <a:off x="5092741" y="791773"/>
-            <a:ext cx="1954594" cy="353943"/>
+            <a:off x="5469803" y="665021"/>
+            <a:ext cx="2167691" cy="382529"/>
           </a:xfrm>
           <a:prstGeom prst="rect">
             <a:avLst/>
@@ -5985,8 +5983,8 @@
         </p:nvSpPr>
         <p:spPr>
           <a:xfrm rot="16200000">
-            <a:off x="4829809" y="2992389"/>
-            <a:ext cx="1152881" cy="310341"/>
+            <a:off x="5224220" y="2910426"/>
+            <a:ext cx="1186543" cy="310341"/>
           </a:xfrm>
           <a:prstGeom prst="rect">
             <a:avLst/>
@@ -6014,7 +6012,7 @@
           <a:p>
             <a:r>
               <a:rPr lang="en-US" altLang="zh-CN" sz="1600" dirty="0"/>
-              <a:t>select</a:t>
+              <a:t>Select</a:t>
             </a:r>
             <a:r>
               <a:rPr lang="zh-CN" altLang="en-US" sz="1600" dirty="0"/>
@@ -6042,8 +6040,8 @@
         </p:nvSpPr>
         <p:spPr>
           <a:xfrm>
-            <a:off x="6839015" y="2186781"/>
-            <a:ext cx="222389" cy="1816808"/>
+            <a:off x="7406463" y="2027222"/>
+            <a:ext cx="246635" cy="1963541"/>
           </a:xfrm>
           <a:prstGeom prst="rightBrace">
             <a:avLst/>
@@ -6087,8 +6085,8 @@
         </p:nvSpPr>
         <p:spPr>
           <a:xfrm rot="16200000">
-            <a:off x="6555469" y="2874178"/>
-            <a:ext cx="1197764" cy="310341"/>
+            <a:off x="7108928" y="2765750"/>
+            <a:ext cx="1294500" cy="344176"/>
           </a:xfrm>
           <a:prstGeom prst="rect">
             <a:avLst/>
@@ -6144,8 +6142,8 @@
         </p:nvSpPr>
         <p:spPr>
           <a:xfrm>
-            <a:off x="1658370" y="3493650"/>
-            <a:ext cx="1119217" cy="310341"/>
+            <a:off x="1604636" y="3636858"/>
+            <a:ext cx="1141659" cy="310341"/>
           </a:xfrm>
           <a:prstGeom prst="rect">
             <a:avLst/>
@@ -6173,7 +6171,7 @@
           <a:p>
             <a:r>
               <a:rPr lang="en-US" altLang="zh-CN" sz="1600" dirty="0"/>
-              <a:t>prefix</a:t>
+              <a:t>Prefix</a:t>
             </a:r>
             <a:r>
               <a:rPr lang="zh-CN" altLang="en-US" sz="1600" dirty="0"/>
@@ -6201,8 +6199,8 @@
         </p:nvSpPr>
         <p:spPr>
           <a:xfrm>
-            <a:off x="4271362" y="1282109"/>
-            <a:ext cx="2260554" cy="540000"/>
+            <a:off x="4558874" y="1194959"/>
+            <a:ext cx="2507008" cy="583613"/>
           </a:xfrm>
           <a:prstGeom prst="roundRect">
             <a:avLst/>
@@ -6354,8 +6352,8 @@
         </p:nvSpPr>
         <p:spPr>
           <a:xfrm>
-            <a:off x="1839867" y="1285977"/>
-            <a:ext cx="2260554" cy="540000"/>
+            <a:off x="1862288" y="1199139"/>
+            <a:ext cx="2507008" cy="583613"/>
           </a:xfrm>
           <a:prstGeom prst="roundRect">
             <a:avLst/>
@@ -6401,7 +6399,7 @@
                 <a:latin typeface="Arial" panose="020B0604020202020204" pitchFamily="34" charset="0"/>
                 <a:cs typeface="Arial" panose="020B0604020202020204" pitchFamily="34" charset="0"/>
               </a:rPr>
-              <a:t>KV</a:t>
+              <a:t>Layer-Aware</a:t>
             </a:r>
             <a:r>
               <a:rPr kumimoji="1" lang="zh-CN" altLang="en-US" sz="1600" dirty="0">
@@ -6421,7 +6419,7 @@
                 <a:latin typeface="Arial" panose="020B0604020202020204" pitchFamily="34" charset="0"/>
                 <a:cs typeface="Arial" panose="020B0604020202020204" pitchFamily="34" charset="0"/>
               </a:rPr>
-              <a:t>Prefetch</a:t>
+              <a:t>KV</a:t>
             </a:r>
             <a:r>
               <a:rPr kumimoji="1" lang="zh-CN" altLang="en-US" sz="1600" dirty="0">
@@ -6441,7 +6439,7 @@
                 <a:latin typeface="Arial" panose="020B0604020202020204" pitchFamily="34" charset="0"/>
                 <a:cs typeface="Arial" panose="020B0604020202020204" pitchFamily="34" charset="0"/>
               </a:rPr>
-              <a:t>(§</a:t>
+              <a:t>Prefetch</a:t>
             </a:r>
             <a:r>
               <a:rPr kumimoji="1" lang="zh-CN" altLang="en-US" sz="1600" dirty="0">
@@ -6461,6 +6459,26 @@
                 <a:latin typeface="Arial" panose="020B0604020202020204" pitchFamily="34" charset="0"/>
                 <a:cs typeface="Arial" panose="020B0604020202020204" pitchFamily="34" charset="0"/>
               </a:rPr>
+              <a:t>(§</a:t>
+            </a:r>
+            <a:r>
+              <a:rPr kumimoji="1" lang="zh-CN" altLang="en-US" sz="1600" dirty="0">
+                <a:solidFill>
+                  <a:schemeClr val="tx1"/>
+                </a:solidFill>
+                <a:latin typeface="Arial" panose="020B0604020202020204" pitchFamily="34" charset="0"/>
+                <a:cs typeface="Arial" panose="020B0604020202020204" pitchFamily="34" charset="0"/>
+              </a:rPr>
+              <a:t> </a:t>
+            </a:r>
+            <a:r>
+              <a:rPr kumimoji="1" lang="en-US" altLang="zh-CN" sz="1600" dirty="0">
+                <a:solidFill>
+                  <a:schemeClr val="tx1"/>
+                </a:solidFill>
+                <a:latin typeface="Arial" panose="020B0604020202020204" pitchFamily="34" charset="0"/>
+                <a:cs typeface="Arial" panose="020B0604020202020204" pitchFamily="34" charset="0"/>
+              </a:rPr>
               <a:t>IV.C)</a:t>
             </a:r>
             <a:endParaRPr kumimoji="1" lang="zh-CN" altLang="en-US" sz="1600" dirty="0">
@@ -6491,8 +6509,8 @@
         </p:nvCxnSpPr>
         <p:spPr>
           <a:xfrm rot="5400000">
-            <a:off x="2406118" y="1629739"/>
-            <a:ext cx="367788" cy="760265"/>
+            <a:off x="2568207" y="1487185"/>
+            <a:ext cx="252018" cy="843152"/>
           </a:xfrm>
           <a:prstGeom prst="bentConnector3">
             <a:avLst>
@@ -6540,8 +6558,8 @@
         </p:nvCxnSpPr>
         <p:spPr>
           <a:xfrm rot="16200000" flipH="1">
-            <a:off x="3311292" y="1484828"/>
-            <a:ext cx="360804" cy="1043101"/>
+            <a:off x="3571969" y="1326575"/>
+            <a:ext cx="244470" cy="1156824"/>
           </a:xfrm>
           <a:prstGeom prst="bentConnector3">
             <a:avLst>
@@ -6589,8 +6607,8 @@
         </p:nvCxnSpPr>
         <p:spPr>
           <a:xfrm>
-            <a:off x="5401639" y="1822109"/>
-            <a:ext cx="4611" cy="749010"/>
+            <a:off x="5812378" y="1778572"/>
+            <a:ext cx="5114" cy="693753"/>
           </a:xfrm>
           <a:prstGeom prst="straightConnector1">
             <a:avLst/>
@@ -6618,6 +6636,92 @@
           </a:fontRef>
         </p:style>
       </p:cxnSp>
+      <p:sp>
+        <p:nvSpPr>
+          <p:cNvPr id="19" name="矩形 18">
+            <a:extLst>
+              <a:ext uri="{FF2B5EF4-FFF2-40B4-BE49-F238E27FC236}">
+                <a16:creationId xmlns:a16="http://schemas.microsoft.com/office/drawing/2014/main" id="{CFC188F0-7C14-8EE5-1C2C-C691F55EB1BE}"/>
+              </a:ext>
+            </a:extLst>
+          </p:cNvPr>
+          <p:cNvSpPr/>
+          <p:nvPr/>
+        </p:nvSpPr>
+        <p:spPr>
+          <a:xfrm rot="16200000">
+            <a:off x="2109819" y="2882176"/>
+            <a:ext cx="1431869" cy="224940"/>
+          </a:xfrm>
+          <a:prstGeom prst="rect">
+            <a:avLst/>
+          </a:prstGeom>
+          <a:solidFill>
+            <a:schemeClr val="accent6">
+              <a:lumMod val="40000"/>
+              <a:lumOff val="60000"/>
+            </a:schemeClr>
+          </a:solidFill>
+          <a:ln w="19050">
+            <a:solidFill>
+              <a:schemeClr val="tx1"/>
+            </a:solidFill>
+          </a:ln>
+        </p:spPr>
+        <p:style>
+          <a:lnRef idx="2">
+            <a:schemeClr val="accent1">
+              <a:shade val="50000"/>
+            </a:schemeClr>
+          </a:lnRef>
+          <a:fillRef idx="1">
+            <a:schemeClr val="accent1"/>
+          </a:fillRef>
+          <a:effectRef idx="0">
+            <a:schemeClr val="accent1"/>
+          </a:effectRef>
+          <a:fontRef idx="minor">
+            <a:schemeClr val="lt1"/>
+          </a:fontRef>
+        </p:style>
+        <p:txBody>
+          <a:bodyPr rtlCol="0" anchor="ctr"/>
+          <a:lstStyle/>
+          <a:p>
+            <a:pPr algn="ctr"/>
+            <a:r>
+              <a:rPr kumimoji="1" lang="en-US" altLang="zh-CN" sz="1600" dirty="0">
+                <a:solidFill>
+                  <a:schemeClr val="tx1"/>
+                </a:solidFill>
+                <a:latin typeface="Arial" panose="020B0604020202020204" pitchFamily="34" charset="0"/>
+                <a:cs typeface="Arial" panose="020B0604020202020204" pitchFamily="34" charset="0"/>
+              </a:rPr>
+              <a:t>Prefetch</a:t>
+            </a:r>
+            <a:r>
+              <a:rPr kumimoji="1" lang="zh-CN" altLang="en-US" sz="1600" dirty="0">
+                <a:solidFill>
+                  <a:schemeClr val="tx1"/>
+                </a:solidFill>
+                <a:latin typeface="Arial" panose="020B0604020202020204" pitchFamily="34" charset="0"/>
+                <a:cs typeface="Arial" panose="020B0604020202020204" pitchFamily="34" charset="0"/>
+              </a:rPr>
+              <a:t> </a:t>
+            </a:r>
+            <a:r>
+              <a:rPr kumimoji="1" lang="en-US" altLang="zh-CN" sz="1600" dirty="0">
+                <a:solidFill>
+                  <a:schemeClr val="tx1"/>
+                </a:solidFill>
+                <a:latin typeface="Arial" panose="020B0604020202020204" pitchFamily="34" charset="0"/>
+                <a:cs typeface="Arial" panose="020B0604020202020204" pitchFamily="34" charset="0"/>
+              </a:rPr>
+              <a:t>KVs</a:t>
+            </a:r>
+          </a:p>
+        </p:txBody>
+      </p:sp>
     </p:spTree>
     <p:extLst>
       <p:ext uri="{BB962C8B-B14F-4D97-AF65-F5344CB8AC3E}">

--- a/fig/overview.pptx
+++ b/fig/overview.pptx
@@ -197,7 +197,7 @@
           <a:p>
             <a:fld id="{9FF0E720-4310-3448-AE3C-8F85DDD85C15}" type="datetimeFigureOut">
               <a:rPr kumimoji="1" lang="zh-CN" altLang="en-US" smtClean="0"/>
-              <a:t>2025/10/16</a:t>
+              <a:t>2025/10/17</a:t>
             </a:fld>
             <a:endParaRPr kumimoji="1" lang="zh-CN" altLang="en-US"/>
           </a:p>
@@ -611,7 +611,7 @@
           <a:p>
             <a:fld id="{B805D02E-8AD2-3948-B8DA-3DE46FB98DB6}" type="datetimeFigureOut">
               <a:rPr kumimoji="1" lang="zh-CN" altLang="en-US" smtClean="0"/>
-              <a:t>2025/10/16</a:t>
+              <a:t>2025/10/17</a:t>
             </a:fld>
             <a:endParaRPr kumimoji="1" lang="zh-CN" altLang="en-US"/>
           </a:p>
@@ -809,7 +809,7 @@
           <a:p>
             <a:fld id="{B805D02E-8AD2-3948-B8DA-3DE46FB98DB6}" type="datetimeFigureOut">
               <a:rPr kumimoji="1" lang="zh-CN" altLang="en-US" smtClean="0"/>
-              <a:t>2025/10/16</a:t>
+              <a:t>2025/10/17</a:t>
             </a:fld>
             <a:endParaRPr kumimoji="1" lang="zh-CN" altLang="en-US"/>
           </a:p>
@@ -1017,7 +1017,7 @@
           <a:p>
             <a:fld id="{B805D02E-8AD2-3948-B8DA-3DE46FB98DB6}" type="datetimeFigureOut">
               <a:rPr kumimoji="1" lang="zh-CN" altLang="en-US" smtClean="0"/>
-              <a:t>2025/10/16</a:t>
+              <a:t>2025/10/17</a:t>
             </a:fld>
             <a:endParaRPr kumimoji="1" lang="zh-CN" altLang="en-US"/>
           </a:p>
@@ -1215,7 +1215,7 @@
           <a:p>
             <a:fld id="{B805D02E-8AD2-3948-B8DA-3DE46FB98DB6}" type="datetimeFigureOut">
               <a:rPr kumimoji="1" lang="zh-CN" altLang="en-US" smtClean="0"/>
-              <a:t>2025/10/16</a:t>
+              <a:t>2025/10/17</a:t>
             </a:fld>
             <a:endParaRPr kumimoji="1" lang="zh-CN" altLang="en-US"/>
           </a:p>
@@ -1490,7 +1490,7 @@
           <a:p>
             <a:fld id="{B805D02E-8AD2-3948-B8DA-3DE46FB98DB6}" type="datetimeFigureOut">
               <a:rPr kumimoji="1" lang="zh-CN" altLang="en-US" smtClean="0"/>
-              <a:t>2025/10/16</a:t>
+              <a:t>2025/10/17</a:t>
             </a:fld>
             <a:endParaRPr kumimoji="1" lang="zh-CN" altLang="en-US"/>
           </a:p>
@@ -1755,7 +1755,7 @@
           <a:p>
             <a:fld id="{B805D02E-8AD2-3948-B8DA-3DE46FB98DB6}" type="datetimeFigureOut">
               <a:rPr kumimoji="1" lang="zh-CN" altLang="en-US" smtClean="0"/>
-              <a:t>2025/10/16</a:t>
+              <a:t>2025/10/17</a:t>
             </a:fld>
             <a:endParaRPr kumimoji="1" lang="zh-CN" altLang="en-US"/>
           </a:p>
@@ -2167,7 +2167,7 @@
           <a:p>
             <a:fld id="{B805D02E-8AD2-3948-B8DA-3DE46FB98DB6}" type="datetimeFigureOut">
               <a:rPr kumimoji="1" lang="zh-CN" altLang="en-US" smtClean="0"/>
-              <a:t>2025/10/16</a:t>
+              <a:t>2025/10/17</a:t>
             </a:fld>
             <a:endParaRPr kumimoji="1" lang="zh-CN" altLang="en-US"/>
           </a:p>
@@ -2308,7 +2308,7 @@
           <a:p>
             <a:fld id="{B805D02E-8AD2-3948-B8DA-3DE46FB98DB6}" type="datetimeFigureOut">
               <a:rPr kumimoji="1" lang="zh-CN" altLang="en-US" smtClean="0"/>
-              <a:t>2025/10/16</a:t>
+              <a:t>2025/10/17</a:t>
             </a:fld>
             <a:endParaRPr kumimoji="1" lang="zh-CN" altLang="en-US"/>
           </a:p>
@@ -2421,7 +2421,7 @@
           <a:p>
             <a:fld id="{B805D02E-8AD2-3948-B8DA-3DE46FB98DB6}" type="datetimeFigureOut">
               <a:rPr kumimoji="1" lang="zh-CN" altLang="en-US" smtClean="0"/>
-              <a:t>2025/10/16</a:t>
+              <a:t>2025/10/17</a:t>
             </a:fld>
             <a:endParaRPr kumimoji="1" lang="zh-CN" altLang="en-US"/>
           </a:p>
@@ -2732,7 +2732,7 @@
           <a:p>
             <a:fld id="{B805D02E-8AD2-3948-B8DA-3DE46FB98DB6}" type="datetimeFigureOut">
               <a:rPr kumimoji="1" lang="zh-CN" altLang="en-US" smtClean="0"/>
-              <a:t>2025/10/16</a:t>
+              <a:t>2025/10/17</a:t>
             </a:fld>
             <a:endParaRPr kumimoji="1" lang="zh-CN" altLang="en-US"/>
           </a:p>
@@ -3020,7 +3020,7 @@
           <a:p>
             <a:fld id="{B805D02E-8AD2-3948-B8DA-3DE46FB98DB6}" type="datetimeFigureOut">
               <a:rPr kumimoji="1" lang="zh-CN" altLang="en-US" smtClean="0"/>
-              <a:t>2025/10/16</a:t>
+              <a:t>2025/10/17</a:t>
             </a:fld>
             <a:endParaRPr kumimoji="1" lang="zh-CN" altLang="en-US"/>
           </a:p>
@@ -3261,7 +3261,7 @@
           <a:p>
             <a:fld id="{B805D02E-8AD2-3948-B8DA-3DE46FB98DB6}" type="datetimeFigureOut">
               <a:rPr kumimoji="1" lang="zh-CN" altLang="en-US" smtClean="0"/>
-              <a:t>2025/10/16</a:t>
+              <a:t>2025/10/17</a:t>
             </a:fld>
             <a:endParaRPr kumimoji="1" lang="zh-CN" altLang="en-US"/>
           </a:p>
@@ -4052,7 +4052,7 @@
         <p:spPr>
           <a:xfrm>
             <a:off x="1747350" y="4892286"/>
-            <a:ext cx="5487192" cy="382529"/>
+            <a:ext cx="5487192" cy="353943"/>
           </a:xfrm>
           <a:prstGeom prst="rect">
             <a:avLst/>
@@ -4113,21 +4113,7 @@
                 <a:latin typeface="Arial" panose="020B0604020202020204" pitchFamily="34" charset="0"/>
                 <a:cs typeface="Arial" panose="020B0604020202020204" pitchFamily="34" charset="0"/>
               </a:rPr>
-              <a:t>(§</a:t>
-            </a:r>
-            <a:r>
-              <a:rPr kumimoji="1" lang="zh-CN" altLang="en-US" sz="1700" dirty="0">
-                <a:latin typeface="Arial" panose="020B0604020202020204" pitchFamily="34" charset="0"/>
-                <a:cs typeface="Arial" panose="020B0604020202020204" pitchFamily="34" charset="0"/>
-              </a:rPr>
-              <a:t> </a:t>
-            </a:r>
-            <a:r>
-              <a:rPr kumimoji="1" lang="en-US" altLang="zh-CN" sz="1700" dirty="0">
-                <a:latin typeface="Arial" panose="020B0604020202020204" pitchFamily="34" charset="0"/>
-                <a:cs typeface="Arial" panose="020B0604020202020204" pitchFamily="34" charset="0"/>
-              </a:rPr>
-              <a:t>IV.D)</a:t>
+              <a:t>(§IV.D)</a:t>
             </a:r>
             <a:endParaRPr kumimoji="1" lang="zh-CN" altLang="en-US" sz="1700" dirty="0">
               <a:latin typeface="Arial" panose="020B0604020202020204" pitchFamily="34" charset="0"/>
@@ -4208,7 +4194,7 @@
         <p:spPr>
           <a:xfrm>
             <a:off x="1813096" y="4233338"/>
-            <a:ext cx="2507008" cy="632004"/>
+            <a:ext cx="2507008" cy="584775"/>
           </a:xfrm>
           <a:prstGeom prst="rect">
             <a:avLst/>
@@ -4262,21 +4248,7 @@
                 <a:latin typeface="Arial" panose="020B0604020202020204" pitchFamily="34" charset="0"/>
                 <a:cs typeface="Arial" panose="020B0604020202020204" pitchFamily="34" charset="0"/>
               </a:rPr>
-              <a:t>(§</a:t>
-            </a:r>
-            <a:r>
-              <a:rPr kumimoji="1" lang="zh-CN" altLang="en-US" sz="1600" dirty="0">
-                <a:latin typeface="Arial" panose="020B0604020202020204" pitchFamily="34" charset="0"/>
-                <a:cs typeface="Arial" panose="020B0604020202020204" pitchFamily="34" charset="0"/>
-              </a:rPr>
-              <a:t> </a:t>
-            </a:r>
-            <a:r>
-              <a:rPr kumimoji="1" lang="en-US" altLang="zh-CN" sz="1600" dirty="0">
-                <a:latin typeface="Arial" panose="020B0604020202020204" pitchFamily="34" charset="0"/>
-                <a:cs typeface="Arial" panose="020B0604020202020204" pitchFamily="34" charset="0"/>
-              </a:rPr>
-              <a:t>IV.D)</a:t>
+              <a:t>(§IV.D)</a:t>
             </a:r>
           </a:p>
         </p:txBody>
@@ -4352,8 +4324,8 @@
         </p:nvSpPr>
         <p:spPr>
           <a:xfrm>
-            <a:off x="4712901" y="4233338"/>
-            <a:ext cx="2263455" cy="632004"/>
+            <a:off x="4824157" y="4233338"/>
+            <a:ext cx="2040943" cy="584775"/>
           </a:xfrm>
           <a:prstGeom prst="rect">
             <a:avLst/>
@@ -4396,21 +4368,7 @@
                 <a:latin typeface="Arial" panose="020B0604020202020204" pitchFamily="34" charset="0"/>
                 <a:cs typeface="Arial" panose="020B0604020202020204" pitchFamily="34" charset="0"/>
               </a:rPr>
-              <a:t>(§</a:t>
-            </a:r>
-            <a:r>
-              <a:rPr kumimoji="1" lang="zh-CN" altLang="en-US" sz="1600" dirty="0">
-                <a:latin typeface="Arial" panose="020B0604020202020204" pitchFamily="34" charset="0"/>
-                <a:cs typeface="Arial" panose="020B0604020202020204" pitchFamily="34" charset="0"/>
-              </a:rPr>
-              <a:t> </a:t>
-            </a:r>
-            <a:r>
-              <a:rPr kumimoji="1" lang="en-US" altLang="zh-CN" sz="1600" dirty="0">
-                <a:latin typeface="Arial" panose="020B0604020202020204" pitchFamily="34" charset="0"/>
-                <a:cs typeface="Arial" panose="020B0604020202020204" pitchFamily="34" charset="0"/>
-              </a:rPr>
-              <a:t>IV.D)</a:t>
+              <a:t>(§IV.D)</a:t>
             </a:r>
             <a:endParaRPr kumimoji="1" lang="zh-CN" altLang="en-US" sz="1600" dirty="0">
               <a:latin typeface="Arial" panose="020B0604020202020204" pitchFamily="34" charset="0"/>
@@ -5669,7 +5627,7 @@
           </a:xfrm>
           <a:prstGeom prst="bentConnector3">
             <a:avLst>
-              <a:gd name="adj1" fmla="val 25563"/>
+              <a:gd name="adj1" fmla="val 50000"/>
             </a:avLst>
           </a:prstGeom>
           <a:ln w="19050">
@@ -5718,7 +5676,7 @@
           </a:xfrm>
           <a:prstGeom prst="bentConnector3">
             <a:avLst>
-              <a:gd name="adj1" fmla="val 25816"/>
+              <a:gd name="adj1" fmla="val 50000"/>
             </a:avLst>
           </a:prstGeom>
           <a:ln w="19050">
@@ -6306,27 +6264,7 @@
                 <a:latin typeface="Arial" panose="020B0604020202020204" pitchFamily="34" charset="0"/>
                 <a:cs typeface="Arial" panose="020B0604020202020204" pitchFamily="34" charset="0"/>
               </a:rPr>
-              <a:t>(§</a:t>
-            </a:r>
-            <a:r>
-              <a:rPr kumimoji="1" lang="zh-CN" altLang="en-US" sz="1600" dirty="0">
-                <a:solidFill>
-                  <a:schemeClr val="tx1"/>
-                </a:solidFill>
-                <a:latin typeface="Arial" panose="020B0604020202020204" pitchFamily="34" charset="0"/>
-                <a:cs typeface="Arial" panose="020B0604020202020204" pitchFamily="34" charset="0"/>
-              </a:rPr>
-              <a:t> </a:t>
-            </a:r>
-            <a:r>
-              <a:rPr kumimoji="1" lang="en-US" altLang="zh-CN" sz="1600" dirty="0">
-                <a:solidFill>
-                  <a:schemeClr val="tx1"/>
-                </a:solidFill>
-                <a:latin typeface="Arial" panose="020B0604020202020204" pitchFamily="34" charset="0"/>
-                <a:cs typeface="Arial" panose="020B0604020202020204" pitchFamily="34" charset="0"/>
-              </a:rPr>
-              <a:t>IV.B)</a:t>
+              <a:t>(§IV.B)</a:t>
             </a:r>
             <a:endParaRPr kumimoji="1" lang="zh-CN" altLang="en-US" sz="1600" dirty="0">
               <a:solidFill>
@@ -6459,27 +6397,7 @@
                 <a:latin typeface="Arial" panose="020B0604020202020204" pitchFamily="34" charset="0"/>
                 <a:cs typeface="Arial" panose="020B0604020202020204" pitchFamily="34" charset="0"/>
               </a:rPr>
-              <a:t>(§</a:t>
-            </a:r>
-            <a:r>
-              <a:rPr kumimoji="1" lang="zh-CN" altLang="en-US" sz="1600" dirty="0">
-                <a:solidFill>
-                  <a:schemeClr val="tx1"/>
-                </a:solidFill>
-                <a:latin typeface="Arial" panose="020B0604020202020204" pitchFamily="34" charset="0"/>
-                <a:cs typeface="Arial" panose="020B0604020202020204" pitchFamily="34" charset="0"/>
-              </a:rPr>
-              <a:t> </a:t>
-            </a:r>
-            <a:r>
-              <a:rPr kumimoji="1" lang="en-US" altLang="zh-CN" sz="1600" dirty="0">
-                <a:solidFill>
-                  <a:schemeClr val="tx1"/>
-                </a:solidFill>
-                <a:latin typeface="Arial" panose="020B0604020202020204" pitchFamily="34" charset="0"/>
-                <a:cs typeface="Arial" panose="020B0604020202020204" pitchFamily="34" charset="0"/>
-              </a:rPr>
-              <a:t>IV.C)</a:t>
+              <a:t>(§IV.C)</a:t>
             </a:r>
             <a:endParaRPr kumimoji="1" lang="zh-CN" altLang="en-US" sz="1600" dirty="0">
               <a:solidFill>
